--- a/PPTs/Programacion y Laboratorio II-202003.pptx
+++ b/PPTs/Programacion y Laboratorio II-202003.pptx
@@ -5,7 +5,7 @@
     <p:sldMasterId id="2147483648" r:id="rId1"/>
   </p:sldMasterIdLst>
   <p:notesMasterIdLst>
-    <p:notesMasterId r:id="rId16"/>
+    <p:notesMasterId r:id="rId17"/>
   </p:notesMasterIdLst>
   <p:sldIdLst>
     <p:sldId id="256" r:id="rId2"/>
@@ -14,14 +14,15 @@
     <p:sldId id="269" r:id="rId5"/>
     <p:sldId id="264" r:id="rId6"/>
     <p:sldId id="257" r:id="rId7"/>
-    <p:sldId id="265" r:id="rId8"/>
-    <p:sldId id="266" r:id="rId9"/>
-    <p:sldId id="262" r:id="rId10"/>
-    <p:sldId id="267" r:id="rId11"/>
-    <p:sldId id="258" r:id="rId12"/>
-    <p:sldId id="259" r:id="rId13"/>
-    <p:sldId id="260" r:id="rId14"/>
-    <p:sldId id="261" r:id="rId15"/>
+    <p:sldId id="270" r:id="rId8"/>
+    <p:sldId id="265" r:id="rId9"/>
+    <p:sldId id="266" r:id="rId10"/>
+    <p:sldId id="262" r:id="rId11"/>
+    <p:sldId id="267" r:id="rId12"/>
+    <p:sldId id="258" r:id="rId13"/>
+    <p:sldId id="259" r:id="rId14"/>
+    <p:sldId id="260" r:id="rId15"/>
+    <p:sldId id="261" r:id="rId16"/>
   </p:sldIdLst>
   <p:sldSz cx="12192000" cy="6858000"/>
   <p:notesSz cx="6858000" cy="9144000"/>
@@ -210,7 +211,7 @@
           <a:p>
             <a:fld id="{1E6648A2-EA33-47F9-96A0-CE144141342A}" type="datetimeFigureOut">
               <a:rPr lang="es-AR" smtClean="0"/>
-              <a:t>24/3/2020</a:t>
+              <a:t>25/3/2020</a:t>
             </a:fld>
             <a:endParaRPr lang="es-AR"/>
           </a:p>
@@ -609,7 +610,10 @@
           <a:bodyPr/>
           <a:lstStyle/>
           <a:p>
-            <a:endParaRPr lang="en-US" dirty="0"/>
+            <a:r>
+              <a:rPr lang="es-AR" dirty="0"/>
+              <a:t>Aun no debe estar habilitado, probar en los siguientes días.</a:t>
+            </a:r>
           </a:p>
         </p:txBody>
       </p:sp>
@@ -639,7 +643,7 @@
     </p:spTree>
     <p:extLst>
       <p:ext uri="{BB962C8B-B14F-4D97-AF65-F5344CB8AC3E}">
-        <p14:creationId xmlns:p14="http://schemas.microsoft.com/office/powerpoint/2010/main" val="912801507"/>
+        <p14:creationId xmlns:p14="http://schemas.microsoft.com/office/powerpoint/2010/main" val="2470668337"/>
       </p:ext>
     </p:extLst>
   </p:cSld>
@@ -693,7 +697,7 @@
           <a:bodyPr/>
           <a:lstStyle/>
           <a:p>
-            <a:endParaRPr lang="es-AR" dirty="0"/>
+            <a:endParaRPr lang="en-US" dirty="0"/>
           </a:p>
         </p:txBody>
       </p:sp>
@@ -714,7 +718,7 @@
           <a:p>
             <a:fld id="{4E0ADE5F-4420-48D4-8147-C3A8E3B2A19B}" type="slidenum">
               <a:rPr lang="es-AR" smtClean="0"/>
-              <a:t>11</a:t>
+              <a:t>8</a:t>
             </a:fld>
             <a:endParaRPr lang="es-AR"/>
           </a:p>
@@ -723,7 +727,7 @@
     </p:spTree>
     <p:extLst>
       <p:ext uri="{BB962C8B-B14F-4D97-AF65-F5344CB8AC3E}">
-        <p14:creationId xmlns:p14="http://schemas.microsoft.com/office/powerpoint/2010/main" val="2323629129"/>
+        <p14:creationId xmlns:p14="http://schemas.microsoft.com/office/powerpoint/2010/main" val="912801507"/>
       </p:ext>
     </p:extLst>
   </p:cSld>
@@ -807,7 +811,7 @@
     </p:spTree>
     <p:extLst>
       <p:ext uri="{BB962C8B-B14F-4D97-AF65-F5344CB8AC3E}">
-        <p14:creationId xmlns:p14="http://schemas.microsoft.com/office/powerpoint/2010/main" val="46679771"/>
+        <p14:creationId xmlns:p14="http://schemas.microsoft.com/office/powerpoint/2010/main" val="2323629129"/>
       </p:ext>
     </p:extLst>
   </p:cSld>
@@ -861,44 +865,6 @@
           <a:bodyPr/>
           <a:lstStyle/>
           <a:p>
-            <a:r>
-              <a:rPr lang="es-AR" dirty="0"/>
-              <a:t>Los días y</a:t>
-            </a:r>
-            <a:r>
-              <a:rPr lang="es-AR" baseline="0" dirty="0"/>
-              <a:t> horarios son estrictos.</a:t>
-            </a:r>
-          </a:p>
-          <a:p>
-            <a:r>
-              <a:rPr lang="es-AR" dirty="0"/>
-              <a:t>El TP1 es el definitivo, los demás están en revisión.</a:t>
-            </a:r>
-          </a:p>
-          <a:p>
-            <a:r>
-              <a:rPr lang="es-AR" dirty="0"/>
-              <a:t>Ir</a:t>
-            </a:r>
-            <a:r>
-              <a:rPr lang="es-AR" baseline="0" dirty="0"/>
-              <a:t> adelantando, no dejar todo para último momento</a:t>
-            </a:r>
-          </a:p>
-          <a:p>
-            <a:r>
-              <a:rPr lang="es-AR" baseline="0" dirty="0"/>
-              <a:t>Chequear “</a:t>
-            </a:r>
-            <a:r>
-              <a:rPr lang="es-AR" dirty="0"/>
-              <a:t>¿Cómo entregar los trabajos prácticos?” en</a:t>
-            </a:r>
-            <a:r>
-              <a:rPr lang="es-AR" baseline="0" dirty="0"/>
-              <a:t> el Campus</a:t>
-            </a:r>
             <a:endParaRPr lang="es-AR" dirty="0"/>
           </a:p>
         </p:txBody>
@@ -929,7 +895,7 @@
     </p:spTree>
     <p:extLst>
       <p:ext uri="{BB962C8B-B14F-4D97-AF65-F5344CB8AC3E}">
-        <p14:creationId xmlns:p14="http://schemas.microsoft.com/office/powerpoint/2010/main" val="2647342692"/>
+        <p14:creationId xmlns:p14="http://schemas.microsoft.com/office/powerpoint/2010/main" val="46679771"/>
       </p:ext>
     </p:extLst>
   </p:cSld>
@@ -983,6 +949,44 @@
           <a:bodyPr/>
           <a:lstStyle/>
           <a:p>
+            <a:r>
+              <a:rPr lang="es-AR" dirty="0"/>
+              <a:t>Los días y</a:t>
+            </a:r>
+            <a:r>
+              <a:rPr lang="es-AR" baseline="0" dirty="0"/>
+              <a:t> horarios son estrictos.</a:t>
+            </a:r>
+          </a:p>
+          <a:p>
+            <a:r>
+              <a:rPr lang="es-AR" dirty="0"/>
+              <a:t>El TP1 es el definitivo, los demás están en revisión.</a:t>
+            </a:r>
+          </a:p>
+          <a:p>
+            <a:r>
+              <a:rPr lang="es-AR" dirty="0"/>
+              <a:t>Ir</a:t>
+            </a:r>
+            <a:r>
+              <a:rPr lang="es-AR" baseline="0" dirty="0"/>
+              <a:t> adelantando, no dejar todo para último momento</a:t>
+            </a:r>
+          </a:p>
+          <a:p>
+            <a:r>
+              <a:rPr lang="es-AR" baseline="0" dirty="0"/>
+              <a:t>Chequear “</a:t>
+            </a:r>
+            <a:r>
+              <a:rPr lang="es-AR" dirty="0"/>
+              <a:t>¿Cómo entregar los trabajos prácticos?” en</a:t>
+            </a:r>
+            <a:r>
+              <a:rPr lang="es-AR" baseline="0" dirty="0"/>
+              <a:t> el Campus</a:t>
+            </a:r>
             <a:endParaRPr lang="es-AR" dirty="0"/>
           </a:p>
         </p:txBody>
@@ -1005,6 +1009,90 @@
             <a:fld id="{4E0ADE5F-4420-48D4-8147-C3A8E3B2A19B}" type="slidenum">
               <a:rPr lang="es-AR" smtClean="0"/>
               <a:t>14</a:t>
+            </a:fld>
+            <a:endParaRPr lang="es-AR"/>
+          </a:p>
+        </p:txBody>
+      </p:sp>
+    </p:spTree>
+    <p:extLst>
+      <p:ext uri="{BB962C8B-B14F-4D97-AF65-F5344CB8AC3E}">
+        <p14:creationId xmlns:p14="http://schemas.microsoft.com/office/powerpoint/2010/main" val="2647342692"/>
+      </p:ext>
+    </p:extLst>
+  </p:cSld>
+  <p:clrMapOvr>
+    <a:masterClrMapping/>
+  </p:clrMapOvr>
+</p:notes>
+</file>
+
+<file path=ppt/notesSlides/notesSlide7.xml><?xml version="1.0" encoding="utf-8"?>
+<p:notes xmlns:a="http://schemas.openxmlformats.org/drawingml/2006/main" xmlns:r="http://schemas.openxmlformats.org/officeDocument/2006/relationships" xmlns:p="http://schemas.openxmlformats.org/presentationml/2006/main">
+  <p:cSld>
+    <p:spTree>
+      <p:nvGrpSpPr>
+        <p:cNvPr id="1" name=""/>
+        <p:cNvGrpSpPr/>
+        <p:nvPr/>
+      </p:nvGrpSpPr>
+      <p:grpSpPr>
+        <a:xfrm>
+          <a:off x="0" y="0"/>
+          <a:ext cx="0" cy="0"/>
+          <a:chOff x="0" y="0"/>
+          <a:chExt cx="0" cy="0"/>
+        </a:xfrm>
+      </p:grpSpPr>
+      <p:sp>
+        <p:nvSpPr>
+          <p:cNvPr id="2" name="Marcador de imagen de diapositiva 1"/>
+          <p:cNvSpPr>
+            <a:spLocks noGrp="1" noRot="1" noChangeAspect="1"/>
+          </p:cNvSpPr>
+          <p:nvPr>
+            <p:ph type="sldImg"/>
+          </p:nvPr>
+        </p:nvSpPr>
+        <p:spPr/>
+      </p:sp>
+      <p:sp>
+        <p:nvSpPr>
+          <p:cNvPr id="3" name="Marcador de notas 2"/>
+          <p:cNvSpPr>
+            <a:spLocks noGrp="1"/>
+          </p:cNvSpPr>
+          <p:nvPr>
+            <p:ph type="body" idx="1"/>
+          </p:nvPr>
+        </p:nvSpPr>
+        <p:spPr/>
+        <p:txBody>
+          <a:bodyPr/>
+          <a:lstStyle/>
+          <a:p>
+            <a:endParaRPr lang="es-AR" dirty="0"/>
+          </a:p>
+        </p:txBody>
+      </p:sp>
+      <p:sp>
+        <p:nvSpPr>
+          <p:cNvPr id="4" name="Marcador de número de diapositiva 3"/>
+          <p:cNvSpPr>
+            <a:spLocks noGrp="1"/>
+          </p:cNvSpPr>
+          <p:nvPr>
+            <p:ph type="sldNum" sz="quarter" idx="10"/>
+          </p:nvPr>
+        </p:nvSpPr>
+        <p:spPr/>
+        <p:txBody>
+          <a:bodyPr/>
+          <a:lstStyle/>
+          <a:p>
+            <a:fld id="{4E0ADE5F-4420-48D4-8147-C3A8E3B2A19B}" type="slidenum">
+              <a:rPr lang="es-AR" smtClean="0"/>
+              <a:t>15</a:t>
             </a:fld>
             <a:endParaRPr lang="es-AR"/>
           </a:p>
@@ -1297,7 +1385,7 @@
           <a:p>
             <a:fld id="{78ABE3C1-DBE1-495D-B57B-2849774B866A}" type="datetimeFigureOut">
               <a:rPr lang="en-US" dirty="0"/>
-              <a:t>3/24/2020</a:t>
+              <a:t>3/25/2020</a:t>
             </a:fld>
             <a:endParaRPr lang="en-US" dirty="0"/>
           </a:p>
@@ -1706,7 +1794,7 @@
           <a:p>
             <a:fld id="{446C117F-5CCF-4837-BE5F-2B92066CAFAF}" type="datetimeFigureOut">
               <a:rPr lang="en-US" dirty="0"/>
-              <a:t>3/24/2020</a:t>
+              <a:t>3/25/2020</a:t>
             </a:fld>
             <a:endParaRPr lang="en-US" dirty="0"/>
           </a:p>
@@ -2037,7 +2125,7 @@
           <a:p>
             <a:fld id="{84EB90BD-B6CE-46B7-997F-7313B992CCDC}" type="datetimeFigureOut">
               <a:rPr lang="en-US" dirty="0"/>
-              <a:t>3/24/2020</a:t>
+              <a:t>3/25/2020</a:t>
             </a:fld>
             <a:endParaRPr lang="en-US" dirty="0"/>
           </a:p>
@@ -2437,7 +2525,7 @@
           <a:p>
             <a:fld id="{CDB9D11F-B188-461D-B23F-39381795C052}" type="datetimeFigureOut">
               <a:rPr lang="en-US" dirty="0"/>
-              <a:t>3/24/2020</a:t>
+              <a:t>3/25/2020</a:t>
             </a:fld>
             <a:endParaRPr lang="en-US" dirty="0"/>
           </a:p>
@@ -3000,7 +3088,7 @@
           <a:p>
             <a:fld id="{52E6D8D9-55A2-4063-B0F3-121F44549695}" type="datetimeFigureOut">
               <a:rPr lang="en-US" dirty="0"/>
-              <a:t>3/24/2020</a:t>
+              <a:t>3/25/2020</a:t>
             </a:fld>
             <a:endParaRPr lang="en-US" dirty="0"/>
           </a:p>
@@ -3676,7 +3764,7 @@
           <a:p>
             <a:fld id="{D4B24536-994D-4021-A283-9F449C0DB509}" type="datetimeFigureOut">
               <a:rPr lang="en-US" dirty="0"/>
-              <a:t>3/24/2020</a:t>
+              <a:t>3/25/2020</a:t>
             </a:fld>
             <a:endParaRPr lang="en-US" dirty="0"/>
           </a:p>
@@ -4584,7 +4672,7 @@
           <a:p>
             <a:fld id="{3CBBBB78-C96F-47B7-AB17-D852CA960AC9}" type="datetimeFigureOut">
               <a:rPr lang="en-US" dirty="0"/>
-              <a:t>3/24/2020</a:t>
+              <a:t>3/25/2020</a:t>
             </a:fld>
             <a:endParaRPr lang="en-US" dirty="0"/>
           </a:p>
@@ -4892,7 +4980,7 @@
           <a:p>
             <a:fld id="{1FA3F48C-C7C6-4055-9F49-3777875E72AE}" type="datetimeFigureOut">
               <a:rPr lang="en-US" dirty="0"/>
-              <a:t>3/24/2020</a:t>
+              <a:t>3/25/2020</a:t>
             </a:fld>
             <a:endParaRPr lang="en-US" dirty="0"/>
           </a:p>
@@ -5151,7 +5239,7 @@
           <a:p>
             <a:fld id="{6178E61D-D431-422C-9764-11DAFE33AB63}" type="datetimeFigureOut">
               <a:rPr lang="en-US" dirty="0"/>
-              <a:t>3/24/2020</a:t>
+              <a:t>3/25/2020</a:t>
             </a:fld>
             <a:endParaRPr lang="en-US" dirty="0"/>
           </a:p>
@@ -5470,7 +5558,7 @@
           <a:p>
             <a:fld id="{12DE42F4-6EEF-4EF7-8ED4-2208F0F89A08}" type="datetimeFigureOut">
               <a:rPr lang="en-US" dirty="0"/>
-              <a:t>3/24/2020</a:t>
+              <a:t>3/25/2020</a:t>
             </a:fld>
             <a:endParaRPr lang="en-US" dirty="0"/>
           </a:p>
@@ -5854,7 +5942,7 @@
           <a:p>
             <a:fld id="{30578ACC-22D6-47C1-A373-4FD133E34F3C}" type="datetimeFigureOut">
               <a:rPr lang="en-US" dirty="0"/>
-              <a:t>3/24/2020</a:t>
+              <a:t>3/25/2020</a:t>
             </a:fld>
             <a:endParaRPr lang="en-US" dirty="0"/>
           </a:p>
@@ -6225,7 +6313,7 @@
           <a:p>
             <a:fld id="{4E5A6C69-6797-4E8A-BF37-F2C3751466E9}" type="datetimeFigureOut">
               <a:rPr lang="en-US" dirty="0"/>
-              <a:t>3/24/2020</a:t>
+              <a:t>3/25/2020</a:t>
             </a:fld>
             <a:endParaRPr lang="en-US" dirty="0"/>
           </a:p>
@@ -6726,7 +6814,7 @@
           <a:p>
             <a:fld id="{D82014A1-A632-4878-A0D3-F52BA7563730}" type="datetimeFigureOut">
               <a:rPr lang="en-US" dirty="0"/>
-              <a:t>3/24/2020</a:t>
+              <a:t>3/25/2020</a:t>
             </a:fld>
             <a:endParaRPr lang="en-US" dirty="0"/>
           </a:p>
@@ -6978,7 +7066,7 @@
           <a:p>
             <a:fld id="{CE99F462-093F-4566-844B-4C71F2739DA5}" type="datetimeFigureOut">
               <a:rPr lang="en-US" dirty="0"/>
-              <a:t>3/24/2020</a:t>
+              <a:t>3/25/2020</a:t>
             </a:fld>
             <a:endParaRPr lang="en-US" dirty="0"/>
           </a:p>
@@ -7136,7 +7224,7 @@
           <a:p>
             <a:fld id="{3D24A7AC-904D-4781-85BA-7D10C17ED021}" type="datetimeFigureOut">
               <a:rPr lang="en-US" dirty="0"/>
-              <a:t>3/24/2020</a:t>
+              <a:t>3/25/2020</a:t>
             </a:fld>
             <a:endParaRPr lang="en-US" dirty="0"/>
           </a:p>
@@ -7521,7 +7609,7 @@
           <a:p>
             <a:fld id="{E331444B-B92B-4E27-8C94-BB93EAF5CB18}" type="datetimeFigureOut">
               <a:rPr lang="en-US" dirty="0"/>
-              <a:t>3/24/2020</a:t>
+              <a:t>3/25/2020</a:t>
             </a:fld>
             <a:endParaRPr lang="en-US" dirty="0"/>
           </a:p>
@@ -7925,7 +8013,7 @@
           <a:p>
             <a:fld id="{363EFA5E-FA76-400D-B3DC-F0BA90E6D107}" type="datetimeFigureOut">
               <a:rPr lang="en-US" dirty="0"/>
-              <a:t>3/24/2020</a:t>
+              <a:t>3/25/2020</a:t>
             </a:fld>
             <a:endParaRPr lang="en-US" dirty="0"/>
           </a:p>
@@ -8164,7 +8252,7 @@
           <a:p>
             <a:fld id="{9D6E9DEC-419B-4CC5-A080-3B06BD5A8291}" type="datetimeFigureOut">
               <a:rPr lang="en-US" dirty="0"/>
-              <a:t>3/24/2020</a:t>
+              <a:t>3/25/2020</a:t>
             </a:fld>
             <a:endParaRPr lang="en-US" dirty="0"/>
           </a:p>
@@ -8674,7 +8762,7 @@
           <a:p>
             <a:r>
               <a:rPr lang="es-AR" dirty="0"/>
-              <a:t>CUESTIONARIOS TEÓRICOS</a:t>
+              <a:t>GUÍA DE EJERCICIOS</a:t>
             </a:r>
           </a:p>
         </p:txBody>
@@ -8706,7 +8794,7 @@
                   </a:outerShdw>
                 </a:effectLst>
               </a:rPr>
-              <a:t>En el campus, dentro de cada clase, podrán encontrar un cuestionario con preguntas teóricas.</a:t>
+              <a:t>En el campus se podrá encontrar una guía propuesta de ejercicios prácticos.</a:t>
             </a:r>
           </a:p>
           <a:p>
@@ -8721,10 +8809,35 @@
                   </a:outerShdw>
                 </a:effectLst>
               </a:rPr>
-              <a:t>También están en GitHub.</a:t>
-            </a:r>
-          </a:p>
-          <a:p>
+              <a:t>También están en </a:t>
+            </a:r>
+            <a:r>
+              <a:rPr lang="es-AR" dirty="0" err="1">
+                <a:effectLst>
+                  <a:outerShdw blurRad="38100" dist="38100" dir="2700000" algn="tl">
+                    <a:srgbClr val="000000">
+                      <a:alpha val="43137"/>
+                    </a:srgbClr>
+                  </a:outerShdw>
+                </a:effectLst>
+              </a:rPr>
+              <a:t>GitHub</a:t>
+            </a:r>
+            <a:r>
+              <a:rPr lang="es-AR" dirty="0">
+                <a:effectLst>
+                  <a:outerShdw blurRad="38100" dist="38100" dir="2700000" algn="tl">
+                    <a:srgbClr val="000000">
+                      <a:alpha val="43137"/>
+                    </a:srgbClr>
+                  </a:outerShdw>
+                </a:effectLst>
+              </a:rPr>
+              <a:t>.</a:t>
+            </a:r>
+          </a:p>
+          <a:p>
+            <a:pPr lvl="1"/>
             <a:endParaRPr lang="es-AR" dirty="0">
               <a:effectLst>
                 <a:outerShdw blurRad="38100" dist="38100" dir="2700000" algn="tl">
@@ -8746,7 +8859,7 @@
                   </a:outerShdw>
                 </a:effectLst>
               </a:rPr>
-              <a:t>Sirven como ejercitación para el parcial de Programación II (teoría).</a:t>
+              <a:t>Sirve como ejercitación para el parcial de Laboratorio de Computación II. </a:t>
             </a:r>
           </a:p>
           <a:p>
@@ -8771,7 +8884,7 @@
                   </a:outerShdw>
                 </a:effectLst>
               </a:rPr>
-              <a:t>Pueden ser modificados a lo largo de la cursada. </a:t>
+              <a:t>Esta guía puede ser modificada a lo largo de la cursada.</a:t>
             </a:r>
           </a:p>
           <a:p>
@@ -8796,7 +8909,7 @@
                   </a:outerShdw>
                 </a:effectLst>
               </a:rPr>
-              <a:t>Todos los miércoles vamos a comentar en grupo las respuestas de los temas que se enseñaron la semana anterior. </a:t>
+              <a:t>Se resolverán algunos en clase y otros en sus casas.</a:t>
             </a:r>
           </a:p>
         </p:txBody>
@@ -8804,7 +8917,7 @@
     </p:spTree>
     <p:extLst>
       <p:ext uri="{BB962C8B-B14F-4D97-AF65-F5344CB8AC3E}">
-        <p14:creationId xmlns:p14="http://schemas.microsoft.com/office/powerpoint/2010/main" val="3333933275"/>
+        <p14:creationId xmlns:p14="http://schemas.microsoft.com/office/powerpoint/2010/main" val="2382211408"/>
       </p:ext>
     </p:extLst>
   </p:cSld>
@@ -8848,7 +8961,7 @@
           <a:p>
             <a:r>
               <a:rPr lang="es-AR" dirty="0"/>
-              <a:t>EXÁMENES PARCIALES</a:t>
+              <a:t>CUESTIONARIOS TEÓRICOS</a:t>
             </a:r>
           </a:p>
         </p:txBody>
@@ -8865,7 +8978,9 @@
         </p:nvSpPr>
         <p:spPr/>
         <p:txBody>
-          <a:bodyPr/>
+          <a:bodyPr>
+            <a:normAutofit fontScale="92500" lnSpcReduction="10000"/>
+          </a:bodyPr>
           <a:lstStyle/>
           <a:p>
             <a:r>
@@ -8878,20 +8993,11 @@
                   </a:outerShdw>
                 </a:effectLst>
               </a:rPr>
-              <a:t>Fechas </a:t>
-            </a:r>
-            <a:r>
-              <a:rPr lang="es-AR" u="sng" dirty="0">
-                <a:effectLst>
-                  <a:outerShdw blurRad="38100" dist="38100" dir="2700000" algn="tl">
-                    <a:srgbClr val="000000">
-                      <a:alpha val="43137"/>
-                    </a:srgbClr>
-                  </a:outerShdw>
-                </a:effectLst>
-              </a:rPr>
-              <a:t>tentativas</a:t>
-            </a:r>
+              <a:t>En el campus, dentro de cada clase, podrán encontrar un cuestionario con preguntas teóricas.</a:t>
+            </a:r>
+          </a:p>
+          <a:p>
+            <a:pPr lvl="1"/>
             <a:r>
               <a:rPr lang="es-AR" dirty="0">
                 <a:effectLst>
@@ -8902,8 +9008,19 @@
                   </a:outerShdw>
                 </a:effectLst>
               </a:rPr>
-              <a:t> de examen (podrán cambiar durante la cursada)</a:t>
-            </a:r>
+              <a:t>También están en GitHub.</a:t>
+            </a:r>
+          </a:p>
+          <a:p>
+            <a:endParaRPr lang="es-AR" dirty="0">
+              <a:effectLst>
+                <a:outerShdw blurRad="38100" dist="38100" dir="2700000" algn="tl">
+                  <a:srgbClr val="000000">
+                    <a:alpha val="43137"/>
+                  </a:srgbClr>
+                </a:outerShdw>
+              </a:effectLst>
+            </a:endParaRPr>
           </a:p>
           <a:p>
             <a:r>
@@ -8916,11 +9033,21 @@
                   </a:outerShdw>
                 </a:effectLst>
               </a:rPr>
-              <a:t>Programación II</a:t>
-            </a:r>
-          </a:p>
-          <a:p>
-            <a:pPr lvl="1"/>
+              <a:t>Sirven como ejercitación para el parcial de Programación II (teoría).</a:t>
+            </a:r>
+          </a:p>
+          <a:p>
+            <a:endParaRPr lang="es-AR" dirty="0">
+              <a:effectLst>
+                <a:outerShdw blurRad="38100" dist="38100" dir="2700000" algn="tl">
+                  <a:srgbClr val="000000">
+                    <a:alpha val="43137"/>
+                  </a:srgbClr>
+                </a:outerShdw>
+              </a:effectLst>
+            </a:endParaRPr>
+          </a:p>
+          <a:p>
             <a:r>
               <a:rPr lang="es-AR" dirty="0">
                 <a:effectLst>
@@ -8931,7 +9058,7 @@
                   </a:outerShdw>
                 </a:effectLst>
               </a:rPr>
-              <a:t>Cursada día Miércoles: 13 de mayo (puede cambiar al 6 de mayo) y 30 de junio 18:30hs</a:t>
+              <a:t>Pueden ser modificados a lo largo de la cursada. </a:t>
             </a:r>
           </a:p>
           <a:p>
@@ -8956,33 +9083,15 @@
                   </a:outerShdw>
                 </a:effectLst>
               </a:rPr>
-              <a:t>Laboratorio de Computación II:</a:t>
-            </a:r>
-          </a:p>
-          <a:p>
-            <a:pPr lvl="1"/>
-            <a:r>
-              <a:rPr lang="es-AR" dirty="0">
-                <a:effectLst>
-                  <a:outerShdw blurRad="38100" dist="38100" dir="2700000" algn="tl">
-                    <a:srgbClr val="000000">
-                      <a:alpha val="43137"/>
-                    </a:srgbClr>
-                  </a:outerShdw>
-                </a:effectLst>
-              </a:rPr>
-              <a:t>Cursada día Jueves: 07 de Mayo y 01 de Julio 18:30hs</a:t>
-            </a:r>
-          </a:p>
-          <a:p>
-            <a:endParaRPr lang="es-AR" dirty="0"/>
+              <a:t>Todos los miércoles vamos a comentar en grupo las respuestas de los temas que se enseñaron la semana anterior. </a:t>
+            </a:r>
           </a:p>
         </p:txBody>
       </p:sp>
     </p:spTree>
     <p:extLst>
       <p:ext uri="{BB962C8B-B14F-4D97-AF65-F5344CB8AC3E}">
-        <p14:creationId xmlns:p14="http://schemas.microsoft.com/office/powerpoint/2010/main" val="195969333"/>
+        <p14:creationId xmlns:p14="http://schemas.microsoft.com/office/powerpoint/2010/main" val="3333933275"/>
       </p:ext>
     </p:extLst>
   </p:cSld>
@@ -9026,7 +9135,7 @@
           <a:p>
             <a:r>
               <a:rPr lang="es-AR" dirty="0"/>
-              <a:t>EXÁMENES FINALES</a:t>
+              <a:t>EXÁMENES PARCIALES</a:t>
             </a:r>
           </a:p>
         </p:txBody>
@@ -9041,16 +9150,9 @@
             <p:ph idx="1"/>
           </p:nvPr>
         </p:nvSpPr>
-        <p:spPr>
-          <a:xfrm>
-            <a:off x="680321" y="2336873"/>
-            <a:ext cx="9613861" cy="3739462"/>
-          </a:xfrm>
-        </p:spPr>
-        <p:txBody>
-          <a:bodyPr>
-            <a:normAutofit/>
-          </a:bodyPr>
+        <p:spPr/>
+        <p:txBody>
+          <a:bodyPr/>
           <a:lstStyle/>
           <a:p>
             <a:r>
@@ -9063,11 +9165,20 @@
                   </a:outerShdw>
                 </a:effectLst>
               </a:rPr>
-              <a:t>Programación II:</a:t>
-            </a:r>
-          </a:p>
-          <a:p>
-            <a:pPr lvl="1"/>
+              <a:t>Fechas </a:t>
+            </a:r>
+            <a:r>
+              <a:rPr lang="es-AR" u="sng" dirty="0">
+                <a:effectLst>
+                  <a:outerShdw blurRad="38100" dist="38100" dir="2700000" algn="tl">
+                    <a:srgbClr val="000000">
+                      <a:alpha val="43137"/>
+                    </a:srgbClr>
+                  </a:outerShdw>
+                </a:effectLst>
+              </a:rPr>
+              <a:t>tentativas</a:t>
+            </a:r>
             <a:r>
               <a:rPr lang="es-AR" dirty="0">
                 <a:effectLst>
@@ -9078,20 +9189,10 @@
                   </a:outerShdw>
                 </a:effectLst>
               </a:rPr>
-              <a:t>Martes 14 y 28 de Julio (válidas para recuperatorio de parciales y </a:t>
-            </a:r>
-            <a:r>
-              <a:rPr lang="es-AR" dirty="0" err="1">
-                <a:effectLst>
-                  <a:outerShdw blurRad="38100" dist="38100" dir="2700000" algn="tl">
-                    <a:srgbClr val="000000">
-                      <a:alpha val="43137"/>
-                    </a:srgbClr>
-                  </a:outerShdw>
-                </a:effectLst>
-              </a:rPr>
-              <a:t>TPs</a:t>
-            </a:r>
+              <a:t> de examen (podrán cambiar durante la cursada)</a:t>
+            </a:r>
+          </a:p>
+          <a:p>
             <a:r>
               <a:rPr lang="es-AR" dirty="0">
                 <a:effectLst>
@@ -9102,7 +9203,7 @@
                   </a:outerShdw>
                 </a:effectLst>
               </a:rPr>
-              <a:t>)</a:t>
+              <a:t>Programación II</a:t>
             </a:r>
           </a:p>
           <a:p>
@@ -9117,11 +9218,10 @@
                   </a:outerShdw>
                 </a:effectLst>
               </a:rPr>
-              <a:t>04 de Agosto (sólo finales)</a:t>
-            </a:r>
-          </a:p>
-          <a:p>
-            <a:pPr lvl="1"/>
+              <a:t>Cursada día Miércoles: 13 de mayo (puede cambiar al 6 de mayo) y 30 de junio 18:30hs</a:t>
+            </a:r>
+          </a:p>
+          <a:p>
             <a:endParaRPr lang="es-AR" dirty="0">
               <a:effectLst>
                 <a:outerShdw blurRad="38100" dist="38100" dir="2700000" algn="tl">
@@ -9143,7 +9243,7 @@
                   </a:outerShdw>
                 </a:effectLst>
               </a:rPr>
-              <a:t>Laboratorio II:</a:t>
+              <a:t>Laboratorio de Computación II:</a:t>
             </a:r>
           </a:p>
           <a:p>
@@ -9158,48 +9258,8 @@
                   </a:outerShdw>
                 </a:effectLst>
               </a:rPr>
-              <a:t>Jueves 16 y 30 de Julio (válidas para recuperatorio de parciales y </a:t>
-            </a:r>
-            <a:r>
-              <a:rPr lang="es-AR" dirty="0" err="1">
-                <a:effectLst>
-                  <a:outerShdw blurRad="38100" dist="38100" dir="2700000" algn="tl">
-                    <a:srgbClr val="000000">
-                      <a:alpha val="43137"/>
-                    </a:srgbClr>
-                  </a:outerShdw>
-                </a:effectLst>
-              </a:rPr>
-              <a:t>TPs</a:t>
-            </a:r>
-            <a:r>
-              <a:rPr lang="es-AR" dirty="0">
-                <a:effectLst>
-                  <a:outerShdw blurRad="38100" dist="38100" dir="2700000" algn="tl">
-                    <a:srgbClr val="000000">
-                      <a:alpha val="43137"/>
-                    </a:srgbClr>
-                  </a:outerShdw>
-                </a:effectLst>
-              </a:rPr>
-              <a:t>)</a:t>
-            </a:r>
-          </a:p>
-          <a:p>
-            <a:pPr lvl="1"/>
-            <a:r>
-              <a:rPr lang="es-AR" dirty="0">
-                <a:effectLst>
-                  <a:outerShdw blurRad="38100" dist="38100" dir="2700000" algn="tl">
-                    <a:srgbClr val="000000">
-                      <a:alpha val="43137"/>
-                    </a:srgbClr>
-                  </a:outerShdw>
-                </a:effectLst>
-              </a:rPr>
-              <a:t>06 de Agosto (sólo finales)</a:t>
-            </a:r>
-            <a:endParaRPr lang="es-AR" dirty="0"/>
+              <a:t>Cursada día Jueves: 07 de Mayo y 01 de Julio 18:30hs</a:t>
+            </a:r>
           </a:p>
           <a:p>
             <a:endParaRPr lang="es-AR" dirty="0"/>
@@ -9209,7 +9269,7 @@
     </p:spTree>
     <p:extLst>
       <p:ext uri="{BB962C8B-B14F-4D97-AF65-F5344CB8AC3E}">
-        <p14:creationId xmlns:p14="http://schemas.microsoft.com/office/powerpoint/2010/main" val="3740102284"/>
+        <p14:creationId xmlns:p14="http://schemas.microsoft.com/office/powerpoint/2010/main" val="195969333"/>
       </p:ext>
     </p:extLst>
   </p:cSld>
@@ -9253,6 +9313,233 @@
           <a:p>
             <a:r>
               <a:rPr lang="es-AR" dirty="0"/>
+              <a:t>EXÁMENES FINALES</a:t>
+            </a:r>
+          </a:p>
+        </p:txBody>
+      </p:sp>
+      <p:sp>
+        <p:nvSpPr>
+          <p:cNvPr id="3" name="Marcador de contenido 2"/>
+          <p:cNvSpPr>
+            <a:spLocks noGrp="1"/>
+          </p:cNvSpPr>
+          <p:nvPr>
+            <p:ph idx="1"/>
+          </p:nvPr>
+        </p:nvSpPr>
+        <p:spPr>
+          <a:xfrm>
+            <a:off x="680321" y="2336873"/>
+            <a:ext cx="9613861" cy="3739462"/>
+          </a:xfrm>
+        </p:spPr>
+        <p:txBody>
+          <a:bodyPr>
+            <a:normAutofit/>
+          </a:bodyPr>
+          <a:lstStyle/>
+          <a:p>
+            <a:r>
+              <a:rPr lang="es-AR" dirty="0">
+                <a:effectLst>
+                  <a:outerShdw blurRad="38100" dist="38100" dir="2700000" algn="tl">
+                    <a:srgbClr val="000000">
+                      <a:alpha val="43137"/>
+                    </a:srgbClr>
+                  </a:outerShdw>
+                </a:effectLst>
+              </a:rPr>
+              <a:t>Programación II:</a:t>
+            </a:r>
+          </a:p>
+          <a:p>
+            <a:pPr lvl="1"/>
+            <a:r>
+              <a:rPr lang="es-AR" dirty="0">
+                <a:effectLst>
+                  <a:outerShdw blurRad="38100" dist="38100" dir="2700000" algn="tl">
+                    <a:srgbClr val="000000">
+                      <a:alpha val="43137"/>
+                    </a:srgbClr>
+                  </a:outerShdw>
+                </a:effectLst>
+              </a:rPr>
+              <a:t>Martes 14 y 28 de Julio (válidas para recuperatorio de parciales y </a:t>
+            </a:r>
+            <a:r>
+              <a:rPr lang="es-AR" dirty="0" err="1">
+                <a:effectLst>
+                  <a:outerShdw blurRad="38100" dist="38100" dir="2700000" algn="tl">
+                    <a:srgbClr val="000000">
+                      <a:alpha val="43137"/>
+                    </a:srgbClr>
+                  </a:outerShdw>
+                </a:effectLst>
+              </a:rPr>
+              <a:t>TPs</a:t>
+            </a:r>
+            <a:r>
+              <a:rPr lang="es-AR" dirty="0">
+                <a:effectLst>
+                  <a:outerShdw blurRad="38100" dist="38100" dir="2700000" algn="tl">
+                    <a:srgbClr val="000000">
+                      <a:alpha val="43137"/>
+                    </a:srgbClr>
+                  </a:outerShdw>
+                </a:effectLst>
+              </a:rPr>
+              <a:t>)</a:t>
+            </a:r>
+          </a:p>
+          <a:p>
+            <a:pPr lvl="1"/>
+            <a:r>
+              <a:rPr lang="es-AR" dirty="0">
+                <a:effectLst>
+                  <a:outerShdw blurRad="38100" dist="38100" dir="2700000" algn="tl">
+                    <a:srgbClr val="000000">
+                      <a:alpha val="43137"/>
+                    </a:srgbClr>
+                  </a:outerShdw>
+                </a:effectLst>
+              </a:rPr>
+              <a:t>04 de Agosto (sólo finales)</a:t>
+            </a:r>
+          </a:p>
+          <a:p>
+            <a:pPr lvl="1"/>
+            <a:endParaRPr lang="es-AR" dirty="0">
+              <a:effectLst>
+                <a:outerShdw blurRad="38100" dist="38100" dir="2700000" algn="tl">
+                  <a:srgbClr val="000000">
+                    <a:alpha val="43137"/>
+                  </a:srgbClr>
+                </a:outerShdw>
+              </a:effectLst>
+            </a:endParaRPr>
+          </a:p>
+          <a:p>
+            <a:r>
+              <a:rPr lang="es-AR" dirty="0">
+                <a:effectLst>
+                  <a:outerShdw blurRad="38100" dist="38100" dir="2700000" algn="tl">
+                    <a:srgbClr val="000000">
+                      <a:alpha val="43137"/>
+                    </a:srgbClr>
+                  </a:outerShdw>
+                </a:effectLst>
+              </a:rPr>
+              <a:t>Laboratorio II:</a:t>
+            </a:r>
+          </a:p>
+          <a:p>
+            <a:pPr lvl="1"/>
+            <a:r>
+              <a:rPr lang="es-AR" dirty="0">
+                <a:effectLst>
+                  <a:outerShdw blurRad="38100" dist="38100" dir="2700000" algn="tl">
+                    <a:srgbClr val="000000">
+                      <a:alpha val="43137"/>
+                    </a:srgbClr>
+                  </a:outerShdw>
+                </a:effectLst>
+              </a:rPr>
+              <a:t>Jueves 16 y 30 de Julio (válidas para recuperatorio de parciales y </a:t>
+            </a:r>
+            <a:r>
+              <a:rPr lang="es-AR" dirty="0" err="1">
+                <a:effectLst>
+                  <a:outerShdw blurRad="38100" dist="38100" dir="2700000" algn="tl">
+                    <a:srgbClr val="000000">
+                      <a:alpha val="43137"/>
+                    </a:srgbClr>
+                  </a:outerShdw>
+                </a:effectLst>
+              </a:rPr>
+              <a:t>TPs</a:t>
+            </a:r>
+            <a:r>
+              <a:rPr lang="es-AR" dirty="0">
+                <a:effectLst>
+                  <a:outerShdw blurRad="38100" dist="38100" dir="2700000" algn="tl">
+                    <a:srgbClr val="000000">
+                      <a:alpha val="43137"/>
+                    </a:srgbClr>
+                  </a:outerShdw>
+                </a:effectLst>
+              </a:rPr>
+              <a:t>)</a:t>
+            </a:r>
+          </a:p>
+          <a:p>
+            <a:pPr lvl="1"/>
+            <a:r>
+              <a:rPr lang="es-AR" dirty="0">
+                <a:effectLst>
+                  <a:outerShdw blurRad="38100" dist="38100" dir="2700000" algn="tl">
+                    <a:srgbClr val="000000">
+                      <a:alpha val="43137"/>
+                    </a:srgbClr>
+                  </a:outerShdw>
+                </a:effectLst>
+              </a:rPr>
+              <a:t>06 de Agosto (sólo finales)</a:t>
+            </a:r>
+            <a:endParaRPr lang="es-AR" dirty="0"/>
+          </a:p>
+          <a:p>
+            <a:endParaRPr lang="es-AR" dirty="0"/>
+          </a:p>
+        </p:txBody>
+      </p:sp>
+    </p:spTree>
+    <p:extLst>
+      <p:ext uri="{BB962C8B-B14F-4D97-AF65-F5344CB8AC3E}">
+        <p14:creationId xmlns:p14="http://schemas.microsoft.com/office/powerpoint/2010/main" val="3740102284"/>
+      </p:ext>
+    </p:extLst>
+  </p:cSld>
+  <p:clrMapOvr>
+    <a:masterClrMapping/>
+  </p:clrMapOvr>
+</p:sld>
+</file>
+
+<file path=ppt/slides/slide14.xml><?xml version="1.0" encoding="utf-8"?>
+<p:sld xmlns:a="http://schemas.openxmlformats.org/drawingml/2006/main" xmlns:r="http://schemas.openxmlformats.org/officeDocument/2006/relationships" xmlns:p="http://schemas.openxmlformats.org/presentationml/2006/main">
+  <p:cSld>
+    <p:spTree>
+      <p:nvGrpSpPr>
+        <p:cNvPr id="1" name=""/>
+        <p:cNvGrpSpPr/>
+        <p:nvPr/>
+      </p:nvGrpSpPr>
+      <p:grpSpPr>
+        <a:xfrm>
+          <a:off x="0" y="0"/>
+          <a:ext cx="0" cy="0"/>
+          <a:chOff x="0" y="0"/>
+          <a:chExt cx="0" cy="0"/>
+        </a:xfrm>
+      </p:grpSpPr>
+      <p:sp>
+        <p:nvSpPr>
+          <p:cNvPr id="2" name="Título 1"/>
+          <p:cNvSpPr>
+            <a:spLocks noGrp="1"/>
+          </p:cNvSpPr>
+          <p:nvPr>
+            <p:ph type="title"/>
+          </p:nvPr>
+        </p:nvSpPr>
+        <p:spPr/>
+        <p:txBody>
+          <a:bodyPr/>
+          <a:lstStyle/>
+          <a:p>
+            <a:r>
+              <a:rPr lang="es-AR" dirty="0"/>
               <a:t>TRABAJOS PRÁCTICOS</a:t>
             </a:r>
           </a:p>
@@ -9486,7 +9773,7 @@
 </p:sld>
 </file>
 
-<file path=ppt/slides/slide14.xml><?xml version="1.0" encoding="utf-8"?>
+<file path=ppt/slides/slide15.xml><?xml version="1.0" encoding="utf-8"?>
 <p:sld xmlns:a="http://schemas.openxmlformats.org/drawingml/2006/main" xmlns:r="http://schemas.openxmlformats.org/officeDocument/2006/relationships" xmlns:p="http://schemas.openxmlformats.org/presentationml/2006/main">
   <p:cSld>
     <p:spTree>
@@ -10084,7 +10371,7 @@
 </file>
 
 <file path=ppt/slides/slide4.xml><?xml version="1.0" encoding="utf-8"?>
-<p:sld xmlns:a="http://schemas.openxmlformats.org/drawingml/2006/main" xmlns:r="http://schemas.openxmlformats.org/officeDocument/2006/relationships" xmlns:p="http://schemas.openxmlformats.org/presentationml/2006/main">
+<p:sld xmlns:a="http://schemas.openxmlformats.org/drawingml/2006/main" xmlns:r="http://schemas.openxmlformats.org/officeDocument/2006/relationships" xmlns:p="http://schemas.openxmlformats.org/presentationml/2006/main" show="0">
   <p:cSld>
     <p:spTree>
       <p:nvGrpSpPr>
@@ -10612,8 +10899,13 @@
           <a:p>
             <a:r>
               <a:rPr lang="es-AR" dirty="0"/>
-              <a:t>SLACK</a:t>
-            </a:r>
+              <a:t>Google </a:t>
+            </a:r>
+            <a:r>
+              <a:rPr lang="es-AR" dirty="0" err="1"/>
+              <a:t>Classroom</a:t>
+            </a:r>
+            <a:endParaRPr lang="es-AR" dirty="0"/>
           </a:p>
         </p:txBody>
       </p:sp>
@@ -10635,7 +10927,7 @@
           <a:lstStyle/>
           <a:p>
             <a:r>
-              <a:rPr lang="es-AR" dirty="0">
+              <a:rPr lang="es-AR" sz="2800" dirty="0">
                 <a:effectLst>
                   <a:outerShdw blurRad="38100" dist="38100" dir="2700000" algn="tl">
                     <a:srgbClr val="000000">
@@ -10644,101 +10936,21 @@
                   </a:outerShdw>
                 </a:effectLst>
               </a:rPr>
-              <a:t>Es una aplicación o software de colaboración y comunicación.</a:t>
-            </a:r>
-          </a:p>
-          <a:p>
-            <a:pPr lvl="1"/>
-            <a:r>
-              <a:rPr lang="es-AR" dirty="0">
-                <a:effectLst>
-                  <a:outerShdw blurRad="38100" dist="38100" dir="2700000" algn="tl">
-                    <a:srgbClr val="000000">
-                      <a:alpha val="43137"/>
-                    </a:srgbClr>
-                  </a:outerShdw>
-                </a:effectLst>
+              <a:t>Ingresar a </a:t>
+            </a:r>
+            <a:r>
+              <a:rPr lang="es-AR" sz="2800" dirty="0">
+                <a:hlinkClick r:id="rId3"/>
               </a:rPr>
-              <a:t>Tiene versión web, desktop y </a:t>
-            </a:r>
-            <a:r>
-              <a:rPr lang="es-AR" dirty="0" err="1">
-                <a:effectLst>
-                  <a:outerShdw blurRad="38100" dist="38100" dir="2700000" algn="tl">
-                    <a:srgbClr val="000000">
-                      <a:alpha val="43137"/>
-                    </a:srgbClr>
-                  </a:outerShdw>
-                </a:effectLst>
-              </a:rPr>
-              <a:t>mobile</a:t>
-            </a:r>
-            <a:r>
-              <a:rPr lang="es-AR" dirty="0">
-                <a:effectLst>
-                  <a:outerShdw blurRad="38100" dist="38100" dir="2700000" algn="tl">
-                    <a:srgbClr val="000000">
-                      <a:alpha val="43137"/>
-                    </a:srgbClr>
-                  </a:outerShdw>
-                </a:effectLst>
-              </a:rPr>
-              <a:t>. Recomiendo descargar la versión </a:t>
-            </a:r>
-            <a:r>
-              <a:rPr lang="es-AR" dirty="0" err="1">
-                <a:effectLst>
-                  <a:outerShdw blurRad="38100" dist="38100" dir="2700000" algn="tl">
-                    <a:srgbClr val="000000">
-                      <a:alpha val="43137"/>
-                    </a:srgbClr>
-                  </a:outerShdw>
-                </a:effectLst>
-              </a:rPr>
-              <a:t>mobile</a:t>
-            </a:r>
-            <a:r>
-              <a:rPr lang="es-AR" dirty="0">
-                <a:effectLst>
-                  <a:outerShdw blurRad="38100" dist="38100" dir="2700000" algn="tl">
-                    <a:srgbClr val="000000">
-                      <a:alpha val="43137"/>
-                    </a:srgbClr>
-                  </a:outerShdw>
-                </a:effectLst>
-              </a:rPr>
-              <a:t> para estar al día.</a:t>
-            </a:r>
-          </a:p>
-          <a:p>
-            <a:pPr lvl="1"/>
-            <a:r>
-              <a:rPr lang="es-AR" u="sng" dirty="0">
-                <a:effectLst>
-                  <a:outerShdw blurRad="38100" dist="38100" dir="2700000" algn="tl">
-                    <a:srgbClr val="000000">
-                      <a:alpha val="43137"/>
-                    </a:srgbClr>
-                  </a:outerShdw>
-                </a:effectLst>
-              </a:rPr>
-              <a:t>Modo NO MOLESTAR</a:t>
-            </a:r>
-            <a:r>
-              <a:rPr lang="es-AR" dirty="0">
-                <a:effectLst>
-                  <a:outerShdw blurRad="38100" dist="38100" dir="2700000" algn="tl">
-                    <a:srgbClr val="000000">
-                      <a:alpha val="43137"/>
-                    </a:srgbClr>
-                  </a:outerShdw>
-                </a:effectLst>
-              </a:rPr>
-              <a:t>: No recibirán notificaciones entre las 00hs y las 8hs.</a:t>
-            </a:r>
-          </a:p>
-          <a:p>
-            <a:endParaRPr lang="es-AR" dirty="0">
+              <a:t>https://classroom.google.com/u/0/w/NTQ1MTg2NjM5NDBa/t/all</a:t>
+            </a:r>
+            <a:endParaRPr lang="es-AR" sz="2800" dirty="0"/>
+          </a:p>
+          <a:p>
+            <a:pPr marL="0" indent="0">
+              <a:buNone/>
+            </a:pPr>
+            <a:endParaRPr lang="es-AR" sz="2800" dirty="0">
               <a:effectLst>
                 <a:outerShdw blurRad="38100" dist="38100" dir="2700000" algn="tl">
                   <a:srgbClr val="000000">
@@ -10748,56 +10960,12 @@
               </a:effectLst>
             </a:endParaRPr>
           </a:p>
-          <a:p>
-            <a:r>
-              <a:rPr lang="es-AR" u="sng" dirty="0">
-                <a:effectLst>
-                  <a:outerShdw blurRad="38100" dist="38100" dir="2700000" algn="tl">
-                    <a:srgbClr val="000000">
-                      <a:alpha val="43137"/>
-                    </a:srgbClr>
-                  </a:outerShdw>
-                </a:effectLst>
-              </a:rPr>
-              <a:t>Unirse ahora</a:t>
-            </a:r>
-            <a:r>
-              <a:rPr lang="es-AR" dirty="0">
-                <a:effectLst>
-                  <a:outerShdw blurRad="38100" dist="38100" dir="2700000" algn="tl">
-                    <a:srgbClr val="000000">
-                      <a:alpha val="43137"/>
-                    </a:srgbClr>
-                  </a:outerShdw>
-                </a:effectLst>
-              </a:rPr>
-              <a:t>!</a:t>
-            </a:r>
-          </a:p>
-          <a:p>
-            <a:pPr lvl="1"/>
-            <a:endParaRPr lang="es-AR" dirty="0">
-              <a:effectLst>
-                <a:outerShdw blurRad="38100" dist="38100" dir="2700000" algn="tl">
-                  <a:srgbClr val="000000">
-                    <a:alpha val="43137"/>
-                  </a:srgbClr>
-                </a:outerShdw>
-              </a:effectLst>
-            </a:endParaRPr>
-          </a:p>
-          <a:p>
-            <a:endParaRPr lang="es-AR" dirty="0"/>
-          </a:p>
-          <a:p>
-            <a:endParaRPr lang="es-AR" dirty="0"/>
-          </a:p>
         </p:txBody>
       </p:sp>
     </p:spTree>
     <p:extLst>
       <p:ext uri="{BB962C8B-B14F-4D97-AF65-F5344CB8AC3E}">
-        <p14:creationId xmlns:p14="http://schemas.microsoft.com/office/powerpoint/2010/main" val="37096996"/>
+        <p14:creationId xmlns:p14="http://schemas.microsoft.com/office/powerpoint/2010/main" val="4211737109"/>
       </p:ext>
     </p:extLst>
   </p:cSld>
@@ -10841,7 +11009,7 @@
           <a:p>
             <a:r>
               <a:rPr lang="es-AR" dirty="0"/>
-              <a:t>SLACK - Objetivo</a:t>
+              <a:t>SLACK</a:t>
             </a:r>
           </a:p>
         </p:txBody>
@@ -10859,7 +11027,7 @@
         <p:spPr/>
         <p:txBody>
           <a:bodyPr>
-            <a:normAutofit fontScale="92500" lnSpcReduction="20000"/>
+            <a:normAutofit/>
           </a:bodyPr>
           <a:lstStyle/>
           <a:p>
@@ -10873,20 +11041,11 @@
                   </a:outerShdw>
                 </a:effectLst>
               </a:rPr>
-              <a:t>Para comunicarnos - </a:t>
-            </a:r>
-            <a:r>
-              <a:rPr lang="es-AR" b="1" dirty="0">
-                <a:effectLst>
-                  <a:outerShdw blurRad="38100" dist="38100" dir="2700000" algn="tl">
-                    <a:srgbClr val="000000">
-                      <a:alpha val="43137"/>
-                    </a:srgbClr>
-                  </a:outerShdw>
-                </a:effectLst>
-              </a:rPr>
-              <a:t>de manera fluida</a:t>
-            </a:r>
+              <a:t>Es una aplicación o software de colaboración y comunicación.</a:t>
+            </a:r>
+          </a:p>
+          <a:p>
+            <a:pPr lvl="1"/>
             <a:r>
               <a:rPr lang="es-AR" dirty="0">
                 <a:effectLst>
@@ -10897,11 +11056,20 @@
                   </a:outerShdw>
                 </a:effectLst>
               </a:rPr>
-              <a:t> - entre nosotros. </a:t>
-            </a:r>
-          </a:p>
-          <a:p>
-            <a:pPr lvl="1"/>
+              <a:t>Tiene versión web, desktop y </a:t>
+            </a:r>
+            <a:r>
+              <a:rPr lang="es-AR" dirty="0" err="1">
+                <a:effectLst>
+                  <a:outerShdw blurRad="38100" dist="38100" dir="2700000" algn="tl">
+                    <a:srgbClr val="000000">
+                      <a:alpha val="43137"/>
+                    </a:srgbClr>
+                  </a:outerShdw>
+                </a:effectLst>
+              </a:rPr>
+              <a:t>mobile</a:t>
+            </a:r>
             <a:r>
               <a:rPr lang="es-AR" dirty="0">
                 <a:effectLst>
@@ -10912,7 +11080,58 @@
                   </a:outerShdw>
                 </a:effectLst>
               </a:rPr>
-              <a:t>(La comunicación oficial está en el campus)</a:t>
+              <a:t>. Recomiendo descargar la versión </a:t>
+            </a:r>
+            <a:r>
+              <a:rPr lang="es-AR" dirty="0" err="1">
+                <a:effectLst>
+                  <a:outerShdw blurRad="38100" dist="38100" dir="2700000" algn="tl">
+                    <a:srgbClr val="000000">
+                      <a:alpha val="43137"/>
+                    </a:srgbClr>
+                  </a:outerShdw>
+                </a:effectLst>
+              </a:rPr>
+              <a:t>mobile</a:t>
+            </a:r>
+            <a:r>
+              <a:rPr lang="es-AR" dirty="0">
+                <a:effectLst>
+                  <a:outerShdw blurRad="38100" dist="38100" dir="2700000" algn="tl">
+                    <a:srgbClr val="000000">
+                      <a:alpha val="43137"/>
+                    </a:srgbClr>
+                  </a:outerShdw>
+                </a:effectLst>
+              </a:rPr>
+              <a:t> para estar al día.</a:t>
+            </a:r>
+          </a:p>
+          <a:p>
+            <a:pPr lvl="1"/>
+            <a:r>
+              <a:rPr lang="es-AR" u="sng" dirty="0">
+                <a:effectLst>
+                  <a:outerShdw blurRad="38100" dist="38100" dir="2700000" algn="tl">
+                    <a:srgbClr val="000000">
+                      <a:alpha val="43137"/>
+                    </a:srgbClr>
+                  </a:outerShdw>
+                </a:effectLst>
+              </a:rPr>
+              <a:t>Modo NO MOLESTAR</a:t>
+            </a:r>
+            <a:r>
+              <a:rPr lang="es-AR" dirty="0">
+                <a:effectLst>
+                  <a:outerShdw blurRad="38100" dist="38100" dir="2700000" algn="tl">
+                    <a:srgbClr val="000000">
+                      <a:alpha val="43137"/>
+                    </a:srgbClr>
+                  </a:outerShdw>
+                </a:effectLst>
+              </a:rPr>
+              <a:t>: No recibirán notificaciones entre las 00hs y las 8hs.</a:t>
             </a:r>
           </a:p>
           <a:p>
@@ -10928,6 +11147,18 @@
           </a:p>
           <a:p>
             <a:r>
+              <a:rPr lang="es-AR" u="sng" dirty="0">
+                <a:effectLst>
+                  <a:outerShdw blurRad="38100" dist="38100" dir="2700000" algn="tl">
+                    <a:srgbClr val="000000">
+                      <a:alpha val="43137"/>
+                    </a:srgbClr>
+                  </a:outerShdw>
+                </a:effectLst>
+              </a:rPr>
+              <a:t>Unirse ahora</a:t>
+            </a:r>
+            <a:r>
               <a:rPr lang="es-AR" dirty="0">
                 <a:effectLst>
                   <a:outerShdw blurRad="38100" dist="38100" dir="2700000" algn="tl">
@@ -10937,70 +11168,11 @@
                   </a:outerShdw>
                 </a:effectLst>
               </a:rPr>
-              <a:t>Es un espacio para:</a:t>
+              <a:t>!</a:t>
             </a:r>
           </a:p>
           <a:p>
             <a:pPr lvl="1"/>
-            <a:r>
-              <a:rPr lang="es-AR" dirty="0">
-                <a:effectLst>
-                  <a:outerShdw blurRad="38100" dist="38100" dir="2700000" algn="tl">
-                    <a:srgbClr val="000000">
-                      <a:alpha val="43137"/>
-                    </a:srgbClr>
-                  </a:outerShdw>
-                </a:effectLst>
-              </a:rPr>
-              <a:t>Hacer consultas sobre los temas vistos y ejercicios.</a:t>
-            </a:r>
-          </a:p>
-          <a:p>
-            <a:pPr lvl="1"/>
-            <a:r>
-              <a:rPr lang="es-AR" dirty="0">
-                <a:effectLst>
-                  <a:outerShdw blurRad="38100" dist="38100" dir="2700000" algn="tl">
-                    <a:srgbClr val="000000">
-                      <a:alpha val="43137"/>
-                    </a:srgbClr>
-                  </a:outerShdw>
-                </a:effectLst>
-              </a:rPr>
-              <a:t>Compartir bibliografía, apuntes y materiales.</a:t>
-            </a:r>
-          </a:p>
-          <a:p>
-            <a:pPr lvl="1"/>
-            <a:r>
-              <a:rPr lang="es-AR" dirty="0">
-                <a:effectLst>
-                  <a:outerShdw blurRad="38100" dist="38100" dir="2700000" algn="tl">
-                    <a:srgbClr val="000000">
-                      <a:alpha val="43137"/>
-                    </a:srgbClr>
-                  </a:outerShdw>
-                </a:effectLst>
-              </a:rPr>
-              <a:t>Otras consultas comunes (fechas de parciales, dudas sobre la promoción). </a:t>
-            </a:r>
-          </a:p>
-          <a:p>
-            <a:pPr lvl="1"/>
-            <a:r>
-              <a:rPr lang="es-AR" dirty="0">
-                <a:effectLst>
-                  <a:outerShdw blurRad="38100" dist="38100" dir="2700000" algn="tl">
-                    <a:srgbClr val="000000">
-                      <a:alpha val="43137"/>
-                    </a:srgbClr>
-                  </a:outerShdw>
-                </a:effectLst>
-              </a:rPr>
-              <a:t>Todos los temas que les puedan interesar a sus compañeros.</a:t>
-            </a:r>
-          </a:p>
-          <a:p>
             <a:endParaRPr lang="es-AR" dirty="0">
               <a:effectLst>
                 <a:outerShdw blurRad="38100" dist="38100" dir="2700000" algn="tl">
@@ -11012,20 +11184,6 @@
             </a:endParaRPr>
           </a:p>
           <a:p>
-            <a:r>
-              <a:rPr lang="es-AR" dirty="0">
-                <a:effectLst>
-                  <a:outerShdw blurRad="38100" dist="38100" dir="2700000" algn="tl">
-                    <a:srgbClr val="000000">
-                      <a:alpha val="43137"/>
-                    </a:srgbClr>
-                  </a:outerShdw>
-                </a:effectLst>
-              </a:rPr>
-              <a:t>Si surge una duda la puedo responder un profesor o responderse entre ustedes.</a:t>
-            </a:r>
-          </a:p>
-          <a:p>
             <a:endParaRPr lang="es-AR" dirty="0"/>
           </a:p>
           <a:p>
@@ -11036,7 +11194,7 @@
     </p:spTree>
     <p:extLst>
       <p:ext uri="{BB962C8B-B14F-4D97-AF65-F5344CB8AC3E}">
-        <p14:creationId xmlns:p14="http://schemas.microsoft.com/office/powerpoint/2010/main" val="118056550"/>
+        <p14:creationId xmlns:p14="http://schemas.microsoft.com/office/powerpoint/2010/main" val="37096996"/>
       </p:ext>
     </p:extLst>
   </p:cSld>
@@ -11080,7 +11238,7 @@
           <a:p>
             <a:r>
               <a:rPr lang="es-AR" dirty="0"/>
-              <a:t>GUÍA DE EJERCICIOS</a:t>
+              <a:t>SLACK - Objetivo</a:t>
             </a:r>
           </a:p>
         </p:txBody>
@@ -11098,7 +11256,7 @@
         <p:spPr/>
         <p:txBody>
           <a:bodyPr>
-            <a:normAutofit fontScale="92500" lnSpcReduction="10000"/>
+            <a:normAutofit fontScale="92500" lnSpcReduction="20000"/>
           </a:bodyPr>
           <a:lstStyle/>
           <a:p>
@@ -11112,11 +11270,20 @@
                   </a:outerShdw>
                 </a:effectLst>
               </a:rPr>
-              <a:t>En el campus se podrá encontrar una guía propuesta de ejercicios prácticos.</a:t>
-            </a:r>
-          </a:p>
-          <a:p>
-            <a:pPr lvl="1"/>
+              <a:t>Para comunicarnos - </a:t>
+            </a:r>
+            <a:r>
+              <a:rPr lang="es-AR" b="1" dirty="0">
+                <a:effectLst>
+                  <a:outerShdw blurRad="38100" dist="38100" dir="2700000" algn="tl">
+                    <a:srgbClr val="000000">
+                      <a:alpha val="43137"/>
+                    </a:srgbClr>
+                  </a:outerShdw>
+                </a:effectLst>
+              </a:rPr>
+              <a:t>de manera fluida</a:t>
+            </a:r>
             <a:r>
               <a:rPr lang="es-AR" dirty="0">
                 <a:effectLst>
@@ -11127,20 +11294,11 @@
                   </a:outerShdw>
                 </a:effectLst>
               </a:rPr>
-              <a:t>También están en </a:t>
-            </a:r>
-            <a:r>
-              <a:rPr lang="es-AR" dirty="0" err="1">
-                <a:effectLst>
-                  <a:outerShdw blurRad="38100" dist="38100" dir="2700000" algn="tl">
-                    <a:srgbClr val="000000">
-                      <a:alpha val="43137"/>
-                    </a:srgbClr>
-                  </a:outerShdw>
-                </a:effectLst>
-              </a:rPr>
-              <a:t>GitHub</a:t>
-            </a:r>
+              <a:t> - entre nosotros. </a:t>
+            </a:r>
+          </a:p>
+          <a:p>
+            <a:pPr lvl="1"/>
             <a:r>
               <a:rPr lang="es-AR" dirty="0">
                 <a:effectLst>
@@ -11151,11 +11309,10 @@
                   </a:outerShdw>
                 </a:effectLst>
               </a:rPr>
-              <a:t>.</a:t>
-            </a:r>
-          </a:p>
-          <a:p>
-            <a:pPr lvl="1"/>
+              <a:t>(La comunicación oficial está en el campus)</a:t>
+            </a:r>
+          </a:p>
+          <a:p>
             <a:endParaRPr lang="es-AR" dirty="0">
               <a:effectLst>
                 <a:outerShdw blurRad="38100" dist="38100" dir="2700000" algn="tl">
@@ -11177,7 +11334,67 @@
                   </a:outerShdw>
                 </a:effectLst>
               </a:rPr>
-              <a:t>Sirve como ejercitación para el parcial de Laboratorio de Computación II. </a:t>
+              <a:t>Es un espacio para:</a:t>
+            </a:r>
+          </a:p>
+          <a:p>
+            <a:pPr lvl="1"/>
+            <a:r>
+              <a:rPr lang="es-AR" dirty="0">
+                <a:effectLst>
+                  <a:outerShdw blurRad="38100" dist="38100" dir="2700000" algn="tl">
+                    <a:srgbClr val="000000">
+                      <a:alpha val="43137"/>
+                    </a:srgbClr>
+                  </a:outerShdw>
+                </a:effectLst>
+              </a:rPr>
+              <a:t>Hacer consultas sobre los temas vistos y ejercicios.</a:t>
+            </a:r>
+          </a:p>
+          <a:p>
+            <a:pPr lvl="1"/>
+            <a:r>
+              <a:rPr lang="es-AR" dirty="0">
+                <a:effectLst>
+                  <a:outerShdw blurRad="38100" dist="38100" dir="2700000" algn="tl">
+                    <a:srgbClr val="000000">
+                      <a:alpha val="43137"/>
+                    </a:srgbClr>
+                  </a:outerShdw>
+                </a:effectLst>
+              </a:rPr>
+              <a:t>Compartir bibliografía, apuntes y materiales.</a:t>
+            </a:r>
+          </a:p>
+          <a:p>
+            <a:pPr lvl="1"/>
+            <a:r>
+              <a:rPr lang="es-AR" dirty="0">
+                <a:effectLst>
+                  <a:outerShdw blurRad="38100" dist="38100" dir="2700000" algn="tl">
+                    <a:srgbClr val="000000">
+                      <a:alpha val="43137"/>
+                    </a:srgbClr>
+                  </a:outerShdw>
+                </a:effectLst>
+              </a:rPr>
+              <a:t>Otras consultas comunes (fechas de parciales, dudas sobre la promoción). </a:t>
+            </a:r>
+          </a:p>
+          <a:p>
+            <a:pPr lvl="1"/>
+            <a:r>
+              <a:rPr lang="es-AR" dirty="0">
+                <a:effectLst>
+                  <a:outerShdw blurRad="38100" dist="38100" dir="2700000" algn="tl">
+                    <a:srgbClr val="000000">
+                      <a:alpha val="43137"/>
+                    </a:srgbClr>
+                  </a:outerShdw>
+                </a:effectLst>
+              </a:rPr>
+              <a:t>Todos los temas que les puedan interesar a sus compañeros.</a:t>
             </a:r>
           </a:p>
           <a:p>
@@ -11202,40 +11419,21 @@
                   </a:outerShdw>
                 </a:effectLst>
               </a:rPr>
-              <a:t>Esta guía puede ser modificada a lo largo de la cursada.</a:t>
-            </a:r>
-          </a:p>
-          <a:p>
-            <a:endParaRPr lang="es-AR" dirty="0">
-              <a:effectLst>
-                <a:outerShdw blurRad="38100" dist="38100" dir="2700000" algn="tl">
-                  <a:srgbClr val="000000">
-                    <a:alpha val="43137"/>
-                  </a:srgbClr>
-                </a:outerShdw>
-              </a:effectLst>
-            </a:endParaRPr>
-          </a:p>
-          <a:p>
-            <a:r>
-              <a:rPr lang="es-AR" dirty="0">
-                <a:effectLst>
-                  <a:outerShdw blurRad="38100" dist="38100" dir="2700000" algn="tl">
-                    <a:srgbClr val="000000">
-                      <a:alpha val="43137"/>
-                    </a:srgbClr>
-                  </a:outerShdw>
-                </a:effectLst>
-              </a:rPr>
-              <a:t>Se resolverán algunos en clase y otros en sus casas.</a:t>
-            </a:r>
+              <a:t>Si surge una duda la puedo responder un profesor o responderse entre ustedes.</a:t>
+            </a:r>
+          </a:p>
+          <a:p>
+            <a:endParaRPr lang="es-AR" dirty="0"/>
+          </a:p>
+          <a:p>
+            <a:endParaRPr lang="es-AR" dirty="0"/>
           </a:p>
         </p:txBody>
       </p:sp>
     </p:spTree>
     <p:extLst>
       <p:ext uri="{BB962C8B-B14F-4D97-AF65-F5344CB8AC3E}">
-        <p14:creationId xmlns:p14="http://schemas.microsoft.com/office/powerpoint/2010/main" val="2382211408"/>
+        <p14:creationId xmlns:p14="http://schemas.microsoft.com/office/powerpoint/2010/main" val="118056550"/>
       </p:ext>
     </p:extLst>
   </p:cSld>
